--- a/CSE 499A.pptx
+++ b/CSE 499A.pptx
@@ -5,16 +5,17 @@
     <p:sldMasterId id="2147483660" r:id="rId4"/>
   </p:sldMasterIdLst>
   <p:notesMasterIdLst>
-    <p:notesMasterId r:id="rId9"/>
+    <p:notesMasterId r:id="rId10"/>
   </p:notesMasterIdLst>
   <p:handoutMasterIdLst>
-    <p:handoutMasterId r:id="rId10"/>
+    <p:handoutMasterId r:id="rId11"/>
   </p:handoutMasterIdLst>
   <p:sldIdLst>
     <p:sldId id="257" r:id="rId5"/>
     <p:sldId id="267" r:id="rId6"/>
     <p:sldId id="268" r:id="rId7"/>
     <p:sldId id="269" r:id="rId8"/>
+    <p:sldId id="270" r:id="rId9"/>
   </p:sldIdLst>
   <p:sldSz cx="12188825" cy="6858000"/>
   <p:notesSz cx="6858000" cy="9144000"/>
@@ -228,7 +229,7 @@
           <a:p>
             <a:fld id="{FE5B4EDC-59C0-49C7-8ADA-5A781B329E02}" type="datetimeFigureOut">
               <a:rPr lang="en-US"/>
-              <a:t>3/6/2023</a:t>
+              <a:t>4/10/2023</a:t>
             </a:fld>
             <a:endParaRPr/>
           </a:p>
@@ -393,7 +394,7 @@
           <a:p>
             <a:fld id="{F2D8D46A-B586-417D-BFBD-8C8FE0AAF762}" type="datetimeFigureOut">
               <a:rPr lang="en-US"/>
-              <a:t>3/6/2023</a:t>
+              <a:t>4/10/2023</a:t>
             </a:fld>
             <a:endParaRPr/>
           </a:p>
@@ -1416,7 +1417,7 @@
           <a:p>
             <a:fld id="{F0DFD029-FB74-4578-B929-F66AA97659CA}" type="datetimeFigureOut">
               <a:rPr lang="en-US"/>
-              <a:t>3/6/2023</a:t>
+              <a:t>4/10/2023</a:t>
             </a:fld>
             <a:endParaRPr/>
           </a:p>
@@ -1614,7 +1615,7 @@
           <a:p>
             <a:fld id="{F0DFD029-FB74-4578-B929-F66AA97659CA}" type="datetimeFigureOut">
               <a:rPr lang="en-US"/>
-              <a:t>3/6/2023</a:t>
+              <a:t>4/10/2023</a:t>
             </a:fld>
             <a:endParaRPr/>
           </a:p>
@@ -1822,7 +1823,7 @@
           <a:p>
             <a:fld id="{F0DFD029-FB74-4578-B929-F66AA97659CA}" type="datetimeFigureOut">
               <a:rPr lang="en-US"/>
-              <a:t>3/6/2023</a:t>
+              <a:t>4/10/2023</a:t>
             </a:fld>
             <a:endParaRPr/>
           </a:p>
@@ -2020,7 +2021,7 @@
           <a:p>
             <a:fld id="{F0DFD029-FB74-4578-B929-F66AA97659CA}" type="datetimeFigureOut">
               <a:rPr lang="en-US"/>
-              <a:t>3/6/2023</a:t>
+              <a:t>4/10/2023</a:t>
             </a:fld>
             <a:endParaRPr/>
           </a:p>
@@ -2452,7 +2453,7 @@
           <a:p>
             <a:fld id="{F0DFD029-FB74-4578-B929-F66AA97659CA}" type="datetimeFigureOut">
               <a:rPr lang="en-US"/>
-              <a:t>3/6/2023</a:t>
+              <a:t>4/10/2023</a:t>
             </a:fld>
             <a:endParaRPr/>
           </a:p>
@@ -2756,7 +2757,7 @@
           <a:p>
             <a:fld id="{F0DFD029-FB74-4578-B929-F66AA97659CA}" type="datetimeFigureOut">
               <a:rPr lang="en-US"/>
-              <a:t>3/6/2023</a:t>
+              <a:t>4/10/2023</a:t>
             </a:fld>
             <a:endParaRPr/>
           </a:p>
@@ -3212,7 +3213,7 @@
           <a:p>
             <a:fld id="{F0DFD029-FB74-4578-B929-F66AA97659CA}" type="datetimeFigureOut">
               <a:rPr lang="en-US"/>
-              <a:t>3/6/2023</a:t>
+              <a:t>4/10/2023</a:t>
             </a:fld>
             <a:endParaRPr/>
           </a:p>
@@ -3342,7 +3343,7 @@
           <a:p>
             <a:fld id="{F0DFD029-FB74-4578-B929-F66AA97659CA}" type="datetimeFigureOut">
               <a:rPr lang="en-US"/>
-              <a:t>3/6/2023</a:t>
+              <a:t>4/10/2023</a:t>
             </a:fld>
             <a:endParaRPr/>
           </a:p>
@@ -3449,7 +3450,7 @@
           <a:p>
             <a:fld id="{F0DFD029-FB74-4578-B929-F66AA97659CA}" type="datetimeFigureOut">
               <a:rPr lang="en-US"/>
-              <a:t>3/6/2023</a:t>
+              <a:t>4/10/2023</a:t>
             </a:fld>
             <a:endParaRPr/>
           </a:p>
@@ -3748,7 +3749,7 @@
           <a:p>
             <a:fld id="{F0DFD029-FB74-4578-B929-F66AA97659CA}" type="datetimeFigureOut">
               <a:rPr lang="en-US"/>
-              <a:t>3/6/2023</a:t>
+              <a:t>4/10/2023</a:t>
             </a:fld>
             <a:endParaRPr/>
           </a:p>
@@ -4036,7 +4037,7 @@
           <a:p>
             <a:fld id="{F0DFD029-FB74-4578-B929-F66AA97659CA}" type="datetimeFigureOut">
               <a:rPr lang="en-US"/>
-              <a:t>3/6/2023</a:t>
+              <a:t>4/10/2023</a:t>
             </a:fld>
             <a:endParaRPr/>
           </a:p>
@@ -4659,7 +4660,7 @@
             <a:fld id="{F0DFD029-FB74-4578-B929-F66AA97659CA}" type="datetimeFigureOut">
               <a:rPr lang="en-US"/>
               <a:pPr/>
-              <a:t>3/6/2023</a:t>
+              <a:t>4/10/2023</a:t>
             </a:fld>
             <a:endParaRPr/>
           </a:p>
@@ -5141,12 +5142,33 @@
         </p:nvSpPr>
         <p:spPr/>
         <p:txBody>
-          <a:bodyPr/>
+          <a:bodyPr>
+            <a:normAutofit fontScale="90000"/>
+          </a:bodyPr>
           <a:lstStyle/>
           <a:p>
             <a:r>
               <a:rPr lang="en-US" dirty="0" smtClean="0"/>
-              <a:t>CSE 499A</a:t>
+              <a:t>CSE </a:t>
+            </a:r>
+            <a:r>
+              <a:rPr lang="en-US" dirty="0" smtClean="0"/>
+              <a:t>499A</a:t>
+            </a:r>
+            <a:br>
+              <a:rPr lang="en-US" dirty="0" smtClean="0"/>
+            </a:br>
+            <a:r>
+              <a:rPr lang="en-US" dirty="0"/>
+              <a:t>S</a:t>
+            </a:r>
+            <a:r>
+              <a:rPr lang="en-US" dirty="0" smtClean="0"/>
+              <a:t>ocial </a:t>
+            </a:r>
+            <a:r>
+              <a:rPr lang="en-US" dirty="0"/>
+              <a:t>and environmental effect</a:t>
             </a:r>
             <a:endParaRPr lang="en-US" dirty="0"/>
           </a:p>
@@ -5293,68 +5315,8 @@
           <a:lstStyle/>
           <a:p>
             <a:r>
-              <a:rPr lang="en-GB" dirty="0"/>
-              <a:t>M</a:t>
-            </a:r>
-            <a:r>
-              <a:rPr lang="en-GB" dirty="0" smtClean="0"/>
-              <a:t>ultimodal </a:t>
-            </a:r>
-            <a:r>
-              <a:rPr lang="en-GB" dirty="0"/>
-              <a:t>D</a:t>
-            </a:r>
-            <a:r>
-              <a:rPr lang="en-GB" dirty="0" smtClean="0"/>
-              <a:t>eep </a:t>
-            </a:r>
-            <a:r>
-              <a:rPr lang="en-GB" dirty="0"/>
-              <a:t>L</a:t>
-            </a:r>
-            <a:r>
-              <a:rPr lang="en-GB" dirty="0" smtClean="0"/>
-              <a:t>earning </a:t>
-            </a:r>
-            <a:r>
-              <a:rPr lang="en-GB" dirty="0"/>
-              <a:t>A</a:t>
-            </a:r>
-            <a:r>
-              <a:rPr lang="en-GB" dirty="0" smtClean="0"/>
-              <a:t>nd </a:t>
-            </a:r>
-            <a:r>
-              <a:rPr lang="en-GB" dirty="0"/>
-              <a:t>NLP system for </a:t>
-            </a:r>
-            <a:r>
-              <a:rPr lang="en-GB" dirty="0" smtClean="0"/>
-              <a:t>Fracture </a:t>
-            </a:r>
-            <a:r>
-              <a:rPr lang="en-GB" dirty="0"/>
-              <a:t>C</a:t>
-            </a:r>
-            <a:r>
-              <a:rPr lang="en-GB" dirty="0" smtClean="0"/>
-              <a:t>lassification </a:t>
-            </a:r>
-            <a:r>
-              <a:rPr lang="en-GB" dirty="0"/>
-              <a:t>A</a:t>
-            </a:r>
-            <a:r>
-              <a:rPr lang="en-GB" dirty="0" smtClean="0"/>
-              <a:t>nd </a:t>
-            </a:r>
-            <a:r>
-              <a:rPr lang="en-GB" dirty="0"/>
-              <a:t>T</a:t>
-            </a:r>
-            <a:r>
-              <a:rPr lang="en-GB" dirty="0" smtClean="0"/>
-              <a:t>reatment</a:t>
+              <a:rPr lang="en-US" dirty="0" smtClean="0"/>
+              <a:t>Introduction</a:t>
             </a:r>
             <a:endParaRPr lang="en-US" dirty="0"/>
           </a:p>
@@ -5428,19 +5390,9 @@
             <a:pPr marL="0" indent="0">
               <a:buNone/>
             </a:pPr>
-            <a:endParaRPr lang="en-GB" dirty="0" smtClean="0"/>
-          </a:p>
-          <a:p>
-            <a:pPr marL="0" indent="0">
-              <a:buNone/>
-            </a:pPr>
-            <a:r>
-              <a:rPr lang="en-GB" dirty="0" smtClean="0"/>
-              <a:t>Our </a:t>
-            </a:r>
             <a:r>
               <a:rPr lang="en-GB" dirty="0"/>
-              <a:t>project uses deep learning and NLP to classify bone fractures and predict treatments based on X-ray images and doctors' suggestion text. We propose a multimodal fusion technique to combine the outputs of a CNN and RNN for accurate classification and prediction. Evaluation by medical professionals shows high accuracy and clinical relevance, making our system a valuable tool for improving diagnosis and treatment of bone fractures.</a:t>
+              <a:t>Fractures are a common injury that can have significant impacts on a patient's health and well-being. The use of DL for fracture classification and NLP for doctor's suggestions can improve patient outcomes and reduce healthcare costs. However, it is also important to consider the social and environmental impacts of this project. This presentation will discuss the potential social and environmental effects of fracture classification using DL and doctor's suggestion using NLP, including increased accessibility to healthcare, reduced carbon footprint, and reduced medical waste.</a:t>
             </a:r>
             <a:endParaRPr lang="en-GB" dirty="0" smtClean="0"/>
           </a:p>
@@ -5504,8 +5456,8 @@
           <a:lstStyle/>
           <a:p>
             <a:r>
-              <a:rPr lang="en-US" dirty="0" smtClean="0"/>
-              <a:t>Related Work</a:t>
+              <a:rPr lang="en-US" dirty="0"/>
+              <a:t>Social Impact</a:t>
             </a:r>
             <a:endParaRPr lang="en-US" dirty="0"/>
           </a:p>
@@ -5534,26 +5486,16 @@
           <a:lstStyle/>
           <a:p>
             <a:r>
+              <a:rPr lang="en-US" sz="2400" dirty="0"/>
+              <a:t>Reduced risk of complications</a:t>
+            </a:r>
+            <a:r>
+              <a:rPr lang="en-GB" sz="2400" dirty="0" smtClean="0"/>
+              <a:t>Deep </a:t>
+            </a:r>
+            <a:r>
               <a:rPr lang="en-GB" sz="2400" dirty="0"/>
-              <a:t>Deep Learning for Bone Fracture Detection and Classification Using Conventional Radiography</a:t>
-            </a:r>
-            <a:r>
-              <a:rPr lang="en-US" sz="2400" dirty="0" smtClean="0"/>
-              <a:t>Pedestrian </a:t>
-            </a:r>
-            <a:r>
-              <a:rPr lang="en-US" sz="2400" dirty="0"/>
-              <a:t>Lane Detection for Assistive Navigation of Vision-Impaired </a:t>
-            </a:r>
-            <a:r>
-              <a:rPr lang="en-US" sz="2400" dirty="0" smtClean="0"/>
-              <a:t>People</a:t>
-            </a:r>
-          </a:p>
-          <a:p>
-            <a:r>
-              <a:rPr lang="en-GB" sz="2400" dirty="0"/>
-              <a:t>Deep Learning-Based Automated Detection of Hip Fractures on </a:t>
+              <a:t>Learning-Based Automated Detection of Hip Fractures on </a:t>
             </a:r>
             <a:r>
               <a:rPr lang="en-GB" sz="2400" dirty="0" smtClean="0"/>
@@ -5562,12 +5504,48 @@
           </a:p>
           <a:p>
             <a:r>
+              <a:rPr lang="en-US" sz="2400" dirty="0"/>
+              <a:t>Faster recovery </a:t>
+            </a:r>
+            <a:r>
+              <a:rPr lang="en-US" sz="2400" dirty="0" smtClean="0"/>
+              <a:t>times</a:t>
+            </a:r>
+          </a:p>
+          <a:p>
+            <a:r>
+              <a:rPr lang="en-US" sz="2400" dirty="0"/>
+              <a:t>Increased Accessibility to </a:t>
+            </a:r>
+            <a:r>
+              <a:rPr lang="en-US" sz="2400" dirty="0" smtClean="0"/>
+              <a:t>Healthcare</a:t>
+            </a:r>
+          </a:p>
+          <a:p>
+            <a:r>
               <a:rPr lang="en-GB" sz="2400" dirty="0"/>
-              <a:t>Machine Learning for the Prediction of Hip Fracture in Older </a:t>
+              <a:t>Reduced travel time and costs for </a:t>
             </a:r>
             <a:r>
               <a:rPr lang="en-GB" sz="2400" dirty="0" smtClean="0"/>
-              <a:t>Adults</a:t>
+              <a:t>patients</a:t>
+            </a:r>
+          </a:p>
+          <a:p>
+            <a:r>
+              <a:rPr lang="en-GB" sz="2400" dirty="0"/>
+              <a:t>Reduced need for unnecessary tests and </a:t>
+            </a:r>
+            <a:r>
+              <a:rPr lang="en-GB" sz="2400" dirty="0" smtClean="0"/>
+              <a:t>procedures</a:t>
+            </a:r>
+          </a:p>
+          <a:p>
+            <a:r>
+              <a:rPr lang="en-GB" sz="2400" dirty="0"/>
+              <a:t>Reduced hospital stays and readmissions</a:t>
             </a:r>
             <a:endParaRPr lang="en-US" sz="2400" dirty="0"/>
           </a:p>
@@ -5636,8 +5614,8 @@
           <a:lstStyle/>
           <a:p>
             <a:r>
-              <a:rPr lang="en-US" dirty="0" smtClean="0"/>
-              <a:t>Work Plan</a:t>
+              <a:rPr lang="en-US" dirty="0"/>
+              <a:t>Environmental Impact</a:t>
             </a:r>
             <a:endParaRPr lang="en-US" dirty="0"/>
           </a:p>
@@ -5661,88 +5639,72 @@
         </p:spPr>
         <p:txBody>
           <a:bodyPr>
-            <a:normAutofit fontScale="32500" lnSpcReduction="20000"/>
+            <a:normAutofit/>
           </a:bodyPr>
           <a:lstStyle/>
           <a:p>
             <a:r>
-              <a:rPr lang="en-US" sz="7400" dirty="0"/>
-              <a:t>Data Collection</a:t>
-            </a:r>
-          </a:p>
-          <a:p>
-            <a:r>
-              <a:rPr lang="en-US" sz="7400" dirty="0"/>
-              <a:t>Data Preprocessing</a:t>
-            </a:r>
-          </a:p>
-          <a:p>
-            <a:r>
-              <a:rPr lang="en-US" sz="7400" dirty="0"/>
-              <a:t>Data Split</a:t>
-            </a:r>
-          </a:p>
-          <a:p>
-            <a:r>
-              <a:rPr lang="en-US" sz="7400" dirty="0"/>
-              <a:t>CNN Training</a:t>
-            </a:r>
-          </a:p>
-          <a:p>
-            <a:r>
-              <a:rPr lang="en-US" sz="7400" dirty="0"/>
-              <a:t>RNN Training</a:t>
-            </a:r>
-          </a:p>
-          <a:p>
-            <a:r>
-              <a:rPr lang="en-US" sz="7400" dirty="0"/>
-              <a:t>Multimodal Fusion</a:t>
-            </a:r>
-          </a:p>
-          <a:p>
-            <a:r>
-              <a:rPr lang="en-US" sz="7400" dirty="0"/>
-              <a:t>Model Evaluation</a:t>
-            </a:r>
-          </a:p>
-          <a:p>
-            <a:r>
-              <a:rPr lang="en-US" sz="7400" dirty="0"/>
-              <a:t>Comparative Analysis</a:t>
-            </a:r>
-          </a:p>
-          <a:p>
-            <a:r>
-              <a:rPr lang="en-US" sz="7400" dirty="0"/>
-              <a:t>Interpretation</a:t>
-            </a:r>
-          </a:p>
-          <a:p>
-            <a:r>
-              <a:rPr lang="en-US" sz="7400" dirty="0"/>
-              <a:t>Evaluation by Medical Professionals</a:t>
-            </a:r>
-          </a:p>
-          <a:p>
-            <a:r>
-              <a:rPr lang="en-US" sz="7400" dirty="0"/>
-              <a:t>User Testing</a:t>
-            </a:r>
-          </a:p>
-          <a:p>
-            <a:r>
-              <a:rPr lang="en-US" sz="7400" dirty="0"/>
-              <a:t>Model Testing</a:t>
-            </a:r>
-          </a:p>
-          <a:p>
-            <a:pPr marL="0" indent="0">
-              <a:buNone/>
-            </a:pPr>
-            <a:endParaRPr lang="en-US" dirty="0"/>
-          </a:p>
-          <a:p>
+              <a:rPr lang="en-US" sz="2400" dirty="0"/>
+              <a:t>Reduced Carbon Footprint</a:t>
+            </a:r>
+            <a:endParaRPr lang="en-US" sz="2400" dirty="0"/>
+          </a:p>
+          <a:p>
+            <a:r>
+              <a:rPr lang="en-GB" sz="2400" dirty="0"/>
+              <a:t>Reduced need for patient travel to healthcare </a:t>
+            </a:r>
+            <a:r>
+              <a:rPr lang="en-GB" sz="2400" dirty="0" smtClean="0"/>
+              <a:t>facilities</a:t>
+            </a:r>
+          </a:p>
+          <a:p>
+            <a:r>
+              <a:rPr lang="en-US" sz="2400" dirty="0" smtClean="0"/>
+              <a:t> </a:t>
+            </a:r>
+            <a:r>
+              <a:rPr lang="en-US" sz="2400" dirty="0"/>
+              <a:t>Reduced traffic congestion</a:t>
+            </a:r>
+            <a:endParaRPr lang="en-US" sz="2400" dirty="0"/>
+          </a:p>
+          <a:p>
+            <a:r>
+              <a:rPr lang="en-US" dirty="0"/>
+              <a:t>Reduced Medical </a:t>
+            </a:r>
+            <a:r>
+              <a:rPr lang="en-US" dirty="0" smtClean="0"/>
+              <a:t>Waste</a:t>
+            </a:r>
+          </a:p>
+          <a:p>
+            <a:r>
+              <a:rPr lang="en-GB" dirty="0"/>
+              <a:t>Reduced use of medical supplies and </a:t>
+            </a:r>
+            <a:r>
+              <a:rPr lang="en-GB" dirty="0" smtClean="0"/>
+              <a:t>equipment</a:t>
+            </a:r>
+          </a:p>
+          <a:p>
+            <a:r>
+              <a:rPr lang="en-US" dirty="0"/>
+              <a:t>Reduced Energy </a:t>
+            </a:r>
+            <a:r>
+              <a:rPr lang="en-US" dirty="0" smtClean="0"/>
+              <a:t>Consumption</a:t>
+            </a:r>
+          </a:p>
+          <a:p>
+            <a:r>
+              <a:rPr lang="en-GB" dirty="0"/>
+              <a:t>Reduced demand for energy in healthcare facilities</a:t>
+            </a:r>
             <a:endParaRPr lang="en-US" dirty="0"/>
           </a:p>
         </p:txBody>
@@ -5751,6 +5713,105 @@
     <p:extLst>
       <p:ext uri="{BB962C8B-B14F-4D97-AF65-F5344CB8AC3E}">
         <p14:creationId xmlns:p14="http://schemas.microsoft.com/office/powerpoint/2010/main" val="2073334120"/>
+      </p:ext>
+    </p:extLst>
+  </p:cSld>
+  <p:clrMapOvr>
+    <a:masterClrMapping/>
+  </p:clrMapOvr>
+  <mc:AlternateContent xmlns:mc="http://schemas.openxmlformats.org/markup-compatibility/2006" xmlns:p14="http://schemas.microsoft.com/office/powerpoint/2010/main">
+    <mc:Choice Requires="p14">
+      <p:transition spd="med" p14:dur="700">
+        <p:fade/>
+      </p:transition>
+    </mc:Choice>
+    <mc:Fallback xmlns="">
+      <p:transition spd="med">
+        <p:fade/>
+      </p:transition>
+    </mc:Fallback>
+  </mc:AlternateContent>
+</p:sld>
+</file>
+
+<file path=ppt/slides/slide5.xml><?xml version="1.0" encoding="utf-8"?>
+<p:sld xmlns:a="http://schemas.openxmlformats.org/drawingml/2006/main" xmlns:r="http://schemas.openxmlformats.org/officeDocument/2006/relationships" xmlns:p="http://schemas.openxmlformats.org/presentationml/2006/main">
+  <p:cSld>
+    <p:spTree>
+      <p:nvGrpSpPr>
+        <p:cNvPr id="1" name=""/>
+        <p:cNvGrpSpPr/>
+        <p:nvPr/>
+      </p:nvGrpSpPr>
+      <p:grpSpPr>
+        <a:xfrm>
+          <a:off x="0" y="0"/>
+          <a:ext cx="0" cy="0"/>
+          <a:chOff x="0" y="0"/>
+          <a:chExt cx="0" cy="0"/>
+        </a:xfrm>
+      </p:grpSpPr>
+      <p:sp>
+        <p:nvSpPr>
+          <p:cNvPr id="2" name="Title 1"/>
+          <p:cNvSpPr>
+            <a:spLocks noGrp="1"/>
+          </p:cNvSpPr>
+          <p:nvPr>
+            <p:ph type="title"/>
+          </p:nvPr>
+        </p:nvSpPr>
+        <p:spPr/>
+        <p:txBody>
+          <a:bodyPr/>
+          <a:lstStyle/>
+          <a:p>
+            <a:r>
+              <a:rPr lang="en-US" dirty="0" smtClean="0"/>
+              <a:t>Conclusion</a:t>
+            </a:r>
+            <a:endParaRPr lang="en-US" dirty="0"/>
+          </a:p>
+        </p:txBody>
+      </p:sp>
+      <p:sp>
+        <p:nvSpPr>
+          <p:cNvPr id="3" name="Rectangle 2"/>
+          <p:cNvSpPr/>
+          <p:nvPr/>
+        </p:nvSpPr>
+        <p:spPr>
+          <a:xfrm>
+            <a:off x="912812" y="1752600"/>
+            <a:ext cx="11049000" cy="3046988"/>
+          </a:xfrm>
+          <a:prstGeom prst="rect">
+            <a:avLst/>
+          </a:prstGeom>
+        </p:spPr>
+        <p:txBody>
+          <a:bodyPr wrap="square">
+            <a:spAutoFit/>
+          </a:bodyPr>
+          <a:lstStyle/>
+          <a:p>
+            <a:r>
+              <a:rPr lang="en-GB" dirty="0">
+                <a:solidFill>
+                  <a:srgbClr val="D1D5DB"/>
+                </a:solidFill>
+                <a:latin typeface="Söhne"/>
+              </a:rPr>
+              <a:t>In summary, the project of fracture classification using DL and doctor's suggestion using NLP can have significant social and environmental impacts. The project can improve patient outcomes, increase accessibility to healthcare, and reduce healthcare costs, while also reducing the carbon footprint, medical waste, and energy consumption associated with healthcare. It is important to continue developing and implementing sustainable healthcare solutions to ensure that we are meeting the needs of patients while also protecting the environment.</a:t>
+            </a:r>
+            <a:endParaRPr lang="en-US" dirty="0"/>
+          </a:p>
+        </p:txBody>
+      </p:sp>
+    </p:spTree>
+    <p:extLst>
+      <p:ext uri="{BB962C8B-B14F-4D97-AF65-F5344CB8AC3E}">
+        <p14:creationId xmlns:p14="http://schemas.microsoft.com/office/powerpoint/2010/main" val="1409411434"/>
       </p:ext>
     </p:extLst>
   </p:cSld>
@@ -6723,12 +6784,139 @@
 </file>
 
 <file path=customXml/item1.xml><?xml version="1.0" encoding="utf-8"?>
-<?mso-contentType ?>
-<FormTemplates xmlns="http://schemas.microsoft.com/sharepoint/v3/contenttype/forms">
-  <Display>DocumentLibraryForm</Display>
-  <Edit>AssetEditForm</Edit>
-  <New>DocumentLibraryForm</New>
-</FormTemplates>
+<p:properties xmlns:p="http://schemas.microsoft.com/office/2006/metadata/properties" xmlns:xsi="http://www.w3.org/2001/XMLSchema-instance" xmlns:pc="http://schemas.microsoft.com/office/infopath/2007/PartnerControls">
+  <documentManagement>
+    <LocPublishedLinkedAssetsLookup xmlns="4873beb7-5857-4685-be1f-d57550cc96cc" xsi:nil="true"/>
+    <ApprovalStatus xmlns="4873beb7-5857-4685-be1f-d57550cc96cc">InProgress</ApprovalStatus>
+    <MarketSpecific xmlns="4873beb7-5857-4685-be1f-d57550cc96cc">false</MarketSpecific>
+    <LocComments xmlns="4873beb7-5857-4685-be1f-d57550cc96cc" xsi:nil="true"/>
+    <LocLastLocAttemptVersionTypeLookup xmlns="4873beb7-5857-4685-be1f-d57550cc96cc" xsi:nil="true"/>
+    <DirectSourceMarket xmlns="4873beb7-5857-4685-be1f-d57550cc96cc" xsi:nil="true"/>
+    <ThumbnailAssetId xmlns="4873beb7-5857-4685-be1f-d57550cc96cc" xsi:nil="true"/>
+    <PrimaryImageGen xmlns="4873beb7-5857-4685-be1f-d57550cc96cc">false</PrimaryImageGen>
+    <LocNewPublishedVersionLookup xmlns="4873beb7-5857-4685-be1f-d57550cc96cc" xsi:nil="true"/>
+    <LegacyData xmlns="4873beb7-5857-4685-be1f-d57550cc96cc" xsi:nil="true"/>
+    <LocRecommendedHandoff xmlns="4873beb7-5857-4685-be1f-d57550cc96cc" xsi:nil="true"/>
+    <BusinessGroup xmlns="4873beb7-5857-4685-be1f-d57550cc96cc" xsi:nil="true"/>
+    <BlockPublish xmlns="4873beb7-5857-4685-be1f-d57550cc96cc">false</BlockPublish>
+    <TPFriendlyName xmlns="4873beb7-5857-4685-be1f-d57550cc96cc" xsi:nil="true"/>
+    <LocOverallPublishStatusLookup xmlns="4873beb7-5857-4685-be1f-d57550cc96cc" xsi:nil="true"/>
+    <NumericId xmlns="4873beb7-5857-4685-be1f-d57550cc96cc" xsi:nil="true"/>
+    <APEditor xmlns="4873beb7-5857-4685-be1f-d57550cc96cc">
+      <UserInfo>
+        <DisplayName/>
+        <AccountId xsi:nil="true"/>
+        <AccountType/>
+      </UserInfo>
+    </APEditor>
+    <SourceTitle xmlns="4873beb7-5857-4685-be1f-d57550cc96cc" xsi:nil="true"/>
+    <OpenTemplate xmlns="4873beb7-5857-4685-be1f-d57550cc96cc">true</OpenTemplate>
+    <LocOverallLocStatusLookup xmlns="4873beb7-5857-4685-be1f-d57550cc96cc" xsi:nil="true"/>
+    <UALocComments xmlns="4873beb7-5857-4685-be1f-d57550cc96cc" xsi:nil="true"/>
+    <ParentAssetId xmlns="4873beb7-5857-4685-be1f-d57550cc96cc" xsi:nil="true"/>
+    <IntlLangReviewDate xmlns="4873beb7-5857-4685-be1f-d57550cc96cc" xsi:nil="true"/>
+    <FeatureTagsTaxHTField0 xmlns="4873beb7-5857-4685-be1f-d57550cc96cc">
+      <Terms xmlns="http://schemas.microsoft.com/office/infopath/2007/PartnerControls"/>
+    </FeatureTagsTaxHTField0>
+    <PublishStatusLookup xmlns="4873beb7-5857-4685-be1f-d57550cc96cc">
+      <Value>1345093</Value>
+    </PublishStatusLookup>
+    <Providers xmlns="4873beb7-5857-4685-be1f-d57550cc96cc" xsi:nil="true"/>
+    <MachineTranslated xmlns="4873beb7-5857-4685-be1f-d57550cc96cc">false</MachineTranslated>
+    <OriginalSourceMarket xmlns="4873beb7-5857-4685-be1f-d57550cc96cc" xsi:nil="true"/>
+    <APDescription xmlns="4873beb7-5857-4685-be1f-d57550cc96cc">This simple template design works for technology and  businesses, but it's versatile enough to use in other contexts.  It features multiple slide layouts designed for widescreen (16x9 resolution) and includes a sample SmartArt list and chart that are easily editable.</APDescription>
+    <ClipArtFilename xmlns="4873beb7-5857-4685-be1f-d57550cc96cc" xsi:nil="true"/>
+    <ContentItem xmlns="4873beb7-5857-4685-be1f-d57550cc96cc" xsi:nil="true"/>
+    <TPInstallLocation xmlns="4873beb7-5857-4685-be1f-d57550cc96cc" xsi:nil="true"/>
+    <PublishTargets xmlns="4873beb7-5857-4685-be1f-d57550cc96cc">OfficeOnlineVNext</PublishTargets>
+    <TimesCloned xmlns="4873beb7-5857-4685-be1f-d57550cc96cc" xsi:nil="true"/>
+    <AssetStart xmlns="4873beb7-5857-4685-be1f-d57550cc96cc">2011-11-26T00:30:00+00:00</AssetStart>
+    <Provider xmlns="4873beb7-5857-4685-be1f-d57550cc96cc" xsi:nil="true"/>
+    <AcquiredFrom xmlns="4873beb7-5857-4685-be1f-d57550cc96cc">Internal MS</AcquiredFrom>
+    <FriendlyTitle xmlns="4873beb7-5857-4685-be1f-d57550cc96cc" xsi:nil="true"/>
+    <LastHandOff xmlns="4873beb7-5857-4685-be1f-d57550cc96cc" xsi:nil="true"/>
+    <TPClientViewer xmlns="4873beb7-5857-4685-be1f-d57550cc96cc" xsi:nil="true"/>
+    <TemplateStatus xmlns="4873beb7-5857-4685-be1f-d57550cc96cc">Complete</TemplateStatus>
+    <Downloads xmlns="4873beb7-5857-4685-be1f-d57550cc96cc">0</Downloads>
+    <OOCacheId xmlns="4873beb7-5857-4685-be1f-d57550cc96cc" xsi:nil="true"/>
+    <IsDeleted xmlns="4873beb7-5857-4685-be1f-d57550cc96cc">false</IsDeleted>
+    <LocPublishedDependentAssetsLookup xmlns="4873beb7-5857-4685-be1f-d57550cc96cc" xsi:nil="true"/>
+    <TPExecutable xmlns="4873beb7-5857-4685-be1f-d57550cc96cc" xsi:nil="true"/>
+    <EditorialTags xmlns="4873beb7-5857-4685-be1f-d57550cc96cc" xsi:nil="true"/>
+    <SubmitterId xmlns="4873beb7-5857-4685-be1f-d57550cc96cc" xsi:nil="true"/>
+    <ApprovalLog xmlns="4873beb7-5857-4685-be1f-d57550cc96cc" xsi:nil="true"/>
+    <AssetType xmlns="4873beb7-5857-4685-be1f-d57550cc96cc">TP</AssetType>
+    <BugNumber xmlns="4873beb7-5857-4685-be1f-d57550cc96cc" xsi:nil="true"/>
+    <CSXSubmissionDate xmlns="4873beb7-5857-4685-be1f-d57550cc96cc" xsi:nil="true"/>
+    <CSXUpdate xmlns="4873beb7-5857-4685-be1f-d57550cc96cc">false</CSXUpdate>
+    <Milestone xmlns="4873beb7-5857-4685-be1f-d57550cc96cc" xsi:nil="true"/>
+    <RecommendationsModifier xmlns="4873beb7-5857-4685-be1f-d57550cc96cc" xsi:nil="true"/>
+    <OriginAsset xmlns="4873beb7-5857-4685-be1f-d57550cc96cc" xsi:nil="true"/>
+    <TPComponent xmlns="4873beb7-5857-4685-be1f-d57550cc96cc" xsi:nil="true"/>
+    <AssetId xmlns="4873beb7-5857-4685-be1f-d57550cc96cc">TP102787989</AssetId>
+    <IntlLocPriority xmlns="4873beb7-5857-4685-be1f-d57550cc96cc" xsi:nil="true"/>
+    <PolicheckWords xmlns="4873beb7-5857-4685-be1f-d57550cc96cc" xsi:nil="true"/>
+    <TPLaunchHelpLink xmlns="4873beb7-5857-4685-be1f-d57550cc96cc" xsi:nil="true"/>
+    <TPApplication xmlns="4873beb7-5857-4685-be1f-d57550cc96cc" xsi:nil="true"/>
+    <CrawlForDependencies xmlns="4873beb7-5857-4685-be1f-d57550cc96cc">false</CrawlForDependencies>
+    <HandoffToMSDN xmlns="4873beb7-5857-4685-be1f-d57550cc96cc" xsi:nil="true"/>
+    <PlannedPubDate xmlns="4873beb7-5857-4685-be1f-d57550cc96cc" xsi:nil="true"/>
+    <IntlLangReviewer xmlns="4873beb7-5857-4685-be1f-d57550cc96cc" xsi:nil="true"/>
+    <TrustLevel xmlns="4873beb7-5857-4685-be1f-d57550cc96cc">1 Microsoft Managed Content</TrustLevel>
+    <LocLastLocAttemptVersionLookup xmlns="4873beb7-5857-4685-be1f-d57550cc96cc">694266</LocLastLocAttemptVersionLookup>
+    <LocProcessedForHandoffsLookup xmlns="4873beb7-5857-4685-be1f-d57550cc96cc" xsi:nil="true"/>
+    <IsSearchable xmlns="4873beb7-5857-4685-be1f-d57550cc96cc">true</IsSearchable>
+    <TemplateTemplateType xmlns="4873beb7-5857-4685-be1f-d57550cc96cc">PowerPoint Presentation Template</TemplateTemplateType>
+    <CampaignTagsTaxHTField0 xmlns="4873beb7-5857-4685-be1f-d57550cc96cc">
+      <Terms xmlns="http://schemas.microsoft.com/office/infopath/2007/PartnerControls"/>
+    </CampaignTagsTaxHTField0>
+    <TPNamespace xmlns="4873beb7-5857-4685-be1f-d57550cc96cc" xsi:nil="true"/>
+    <LocOverallPreviewStatusLookup xmlns="4873beb7-5857-4685-be1f-d57550cc96cc" xsi:nil="true"/>
+    <TaxCatchAll xmlns="4873beb7-5857-4685-be1f-d57550cc96cc"/>
+    <Markets xmlns="4873beb7-5857-4685-be1f-d57550cc96cc"/>
+    <UAProjectedTotalWords xmlns="4873beb7-5857-4685-be1f-d57550cc96cc" xsi:nil="true"/>
+    <IntlLangReview xmlns="4873beb7-5857-4685-be1f-d57550cc96cc" xsi:nil="true"/>
+    <OutputCachingOn xmlns="4873beb7-5857-4685-be1f-d57550cc96cc">false</OutputCachingOn>
+    <AverageRating xmlns="4873beb7-5857-4685-be1f-d57550cc96cc" xsi:nil="true"/>
+    <APAuthor xmlns="4873beb7-5857-4685-be1f-d57550cc96cc">
+      <UserInfo>
+        <DisplayName>REDMOND\kristaa</DisplayName>
+        <AccountId>136</AccountId>
+        <AccountType/>
+      </UserInfo>
+    </APAuthor>
+    <LocManualTestRequired xmlns="4873beb7-5857-4685-be1f-d57550cc96cc">false</LocManualTestRequired>
+    <TPCommandLine xmlns="4873beb7-5857-4685-be1f-d57550cc96cc" xsi:nil="true"/>
+    <TPAppVersion xmlns="4873beb7-5857-4685-be1f-d57550cc96cc" xsi:nil="true"/>
+    <EditorialStatus xmlns="4873beb7-5857-4685-be1f-d57550cc96cc">Complete</EditorialStatus>
+    <LastModifiedDateTime xmlns="4873beb7-5857-4685-be1f-d57550cc96cc" xsi:nil="true"/>
+    <ScenarioTagsTaxHTField0 xmlns="4873beb7-5857-4685-be1f-d57550cc96cc">
+      <Terms xmlns="http://schemas.microsoft.com/office/infopath/2007/PartnerControls"/>
+    </ScenarioTagsTaxHTField0>
+    <LocProcessedForMarketsLookup xmlns="4873beb7-5857-4685-be1f-d57550cc96cc" xsi:nil="true"/>
+    <TPLaunchHelpLinkType xmlns="4873beb7-5857-4685-be1f-d57550cc96cc">Template</TPLaunchHelpLinkType>
+    <OriginalRelease xmlns="4873beb7-5857-4685-be1f-d57550cc96cc">15</OriginalRelease>
+    <LocalizationTagsTaxHTField0 xmlns="4873beb7-5857-4685-be1f-d57550cc96cc">
+      <Terms xmlns="http://schemas.microsoft.com/office/infopath/2007/PartnerControls"/>
+    </LocalizationTagsTaxHTField0>
+    <UACurrentWords xmlns="4873beb7-5857-4685-be1f-d57550cc96cc" xsi:nil="true"/>
+    <ArtSampleDocs xmlns="4873beb7-5857-4685-be1f-d57550cc96cc" xsi:nil="true"/>
+    <UALocRecommendation xmlns="4873beb7-5857-4685-be1f-d57550cc96cc">Localize</UALocRecommendation>
+    <Manager xmlns="4873beb7-5857-4685-be1f-d57550cc96cc" xsi:nil="true"/>
+    <LocOverallHandbackStatusLookup xmlns="4873beb7-5857-4685-be1f-d57550cc96cc" xsi:nil="true"/>
+    <ShowIn xmlns="4873beb7-5857-4685-be1f-d57550cc96cc">Show everywhere</ShowIn>
+    <UANotes xmlns="4873beb7-5857-4685-be1f-d57550cc96cc" xsi:nil="true"/>
+    <InternalTagsTaxHTField0 xmlns="4873beb7-5857-4685-be1f-d57550cc96cc">
+      <Terms xmlns="http://schemas.microsoft.com/office/infopath/2007/PartnerControls"/>
+    </InternalTagsTaxHTField0>
+    <CSXHash xmlns="4873beb7-5857-4685-be1f-d57550cc96cc" xsi:nil="true"/>
+    <VoteCount xmlns="4873beb7-5857-4685-be1f-d57550cc96cc" xsi:nil="true"/>
+    <AssetExpire xmlns="4873beb7-5857-4685-be1f-d57550cc96cc">2029-05-12T07:00:00+00:00</AssetExpire>
+    <DSATActionTaken xmlns="4873beb7-5857-4685-be1f-d57550cc96cc" xsi:nil="true"/>
+    <CSXSubmissionMarket xmlns="4873beb7-5857-4685-be1f-d57550cc96cc" xsi:nil="true"/>
+    <LocMarketGroupTiers2 xmlns="4873beb7-5857-4685-be1f-d57550cc96cc" xsi:nil="true"/>
+  </documentManagement>
+</p:properties>
 </file>
 
 <file path=customXml/item2.xml><?xml version="1.0" encoding="utf-8"?>
@@ -7772,145 +7960,26 @@
 </file>
 
 <file path=customXml/item3.xml><?xml version="1.0" encoding="utf-8"?>
-<p:properties xmlns:p="http://schemas.microsoft.com/office/2006/metadata/properties" xmlns:xsi="http://www.w3.org/2001/XMLSchema-instance" xmlns:pc="http://schemas.microsoft.com/office/infopath/2007/PartnerControls">
-  <documentManagement>
-    <LocPublishedLinkedAssetsLookup xmlns="4873beb7-5857-4685-be1f-d57550cc96cc" xsi:nil="true"/>
-    <ApprovalStatus xmlns="4873beb7-5857-4685-be1f-d57550cc96cc">InProgress</ApprovalStatus>
-    <MarketSpecific xmlns="4873beb7-5857-4685-be1f-d57550cc96cc">false</MarketSpecific>
-    <LocComments xmlns="4873beb7-5857-4685-be1f-d57550cc96cc" xsi:nil="true"/>
-    <LocLastLocAttemptVersionTypeLookup xmlns="4873beb7-5857-4685-be1f-d57550cc96cc" xsi:nil="true"/>
-    <DirectSourceMarket xmlns="4873beb7-5857-4685-be1f-d57550cc96cc" xsi:nil="true"/>
-    <ThumbnailAssetId xmlns="4873beb7-5857-4685-be1f-d57550cc96cc" xsi:nil="true"/>
-    <PrimaryImageGen xmlns="4873beb7-5857-4685-be1f-d57550cc96cc">false</PrimaryImageGen>
-    <LocNewPublishedVersionLookup xmlns="4873beb7-5857-4685-be1f-d57550cc96cc" xsi:nil="true"/>
-    <LegacyData xmlns="4873beb7-5857-4685-be1f-d57550cc96cc" xsi:nil="true"/>
-    <LocRecommendedHandoff xmlns="4873beb7-5857-4685-be1f-d57550cc96cc" xsi:nil="true"/>
-    <BusinessGroup xmlns="4873beb7-5857-4685-be1f-d57550cc96cc" xsi:nil="true"/>
-    <BlockPublish xmlns="4873beb7-5857-4685-be1f-d57550cc96cc">false</BlockPublish>
-    <TPFriendlyName xmlns="4873beb7-5857-4685-be1f-d57550cc96cc" xsi:nil="true"/>
-    <LocOverallPublishStatusLookup xmlns="4873beb7-5857-4685-be1f-d57550cc96cc" xsi:nil="true"/>
-    <NumericId xmlns="4873beb7-5857-4685-be1f-d57550cc96cc" xsi:nil="true"/>
-    <APEditor xmlns="4873beb7-5857-4685-be1f-d57550cc96cc">
-      <UserInfo>
-        <DisplayName/>
-        <AccountId xsi:nil="true"/>
-        <AccountType/>
-      </UserInfo>
-    </APEditor>
-    <SourceTitle xmlns="4873beb7-5857-4685-be1f-d57550cc96cc" xsi:nil="true"/>
-    <OpenTemplate xmlns="4873beb7-5857-4685-be1f-d57550cc96cc">true</OpenTemplate>
-    <LocOverallLocStatusLookup xmlns="4873beb7-5857-4685-be1f-d57550cc96cc" xsi:nil="true"/>
-    <UALocComments xmlns="4873beb7-5857-4685-be1f-d57550cc96cc" xsi:nil="true"/>
-    <ParentAssetId xmlns="4873beb7-5857-4685-be1f-d57550cc96cc" xsi:nil="true"/>
-    <IntlLangReviewDate xmlns="4873beb7-5857-4685-be1f-d57550cc96cc" xsi:nil="true"/>
-    <FeatureTagsTaxHTField0 xmlns="4873beb7-5857-4685-be1f-d57550cc96cc">
-      <Terms xmlns="http://schemas.microsoft.com/office/infopath/2007/PartnerControls"/>
-    </FeatureTagsTaxHTField0>
-    <PublishStatusLookup xmlns="4873beb7-5857-4685-be1f-d57550cc96cc">
-      <Value>1345093</Value>
-    </PublishStatusLookup>
-    <Providers xmlns="4873beb7-5857-4685-be1f-d57550cc96cc" xsi:nil="true"/>
-    <MachineTranslated xmlns="4873beb7-5857-4685-be1f-d57550cc96cc">false</MachineTranslated>
-    <OriginalSourceMarket xmlns="4873beb7-5857-4685-be1f-d57550cc96cc" xsi:nil="true"/>
-    <APDescription xmlns="4873beb7-5857-4685-be1f-d57550cc96cc">This simple template design works for technology and  businesses, but it's versatile enough to use in other contexts.  It features multiple slide layouts designed for widescreen (16x9 resolution) and includes a sample SmartArt list and chart that are easily editable.</APDescription>
-    <ClipArtFilename xmlns="4873beb7-5857-4685-be1f-d57550cc96cc" xsi:nil="true"/>
-    <ContentItem xmlns="4873beb7-5857-4685-be1f-d57550cc96cc" xsi:nil="true"/>
-    <TPInstallLocation xmlns="4873beb7-5857-4685-be1f-d57550cc96cc" xsi:nil="true"/>
-    <PublishTargets xmlns="4873beb7-5857-4685-be1f-d57550cc96cc">OfficeOnlineVNext</PublishTargets>
-    <TimesCloned xmlns="4873beb7-5857-4685-be1f-d57550cc96cc" xsi:nil="true"/>
-    <AssetStart xmlns="4873beb7-5857-4685-be1f-d57550cc96cc">2011-11-26T00:30:00+00:00</AssetStart>
-    <Provider xmlns="4873beb7-5857-4685-be1f-d57550cc96cc" xsi:nil="true"/>
-    <AcquiredFrom xmlns="4873beb7-5857-4685-be1f-d57550cc96cc">Internal MS</AcquiredFrom>
-    <FriendlyTitle xmlns="4873beb7-5857-4685-be1f-d57550cc96cc" xsi:nil="true"/>
-    <LastHandOff xmlns="4873beb7-5857-4685-be1f-d57550cc96cc" xsi:nil="true"/>
-    <TPClientViewer xmlns="4873beb7-5857-4685-be1f-d57550cc96cc" xsi:nil="true"/>
-    <TemplateStatus xmlns="4873beb7-5857-4685-be1f-d57550cc96cc">Complete</TemplateStatus>
-    <Downloads xmlns="4873beb7-5857-4685-be1f-d57550cc96cc">0</Downloads>
-    <OOCacheId xmlns="4873beb7-5857-4685-be1f-d57550cc96cc" xsi:nil="true"/>
-    <IsDeleted xmlns="4873beb7-5857-4685-be1f-d57550cc96cc">false</IsDeleted>
-    <LocPublishedDependentAssetsLookup xmlns="4873beb7-5857-4685-be1f-d57550cc96cc" xsi:nil="true"/>
-    <TPExecutable xmlns="4873beb7-5857-4685-be1f-d57550cc96cc" xsi:nil="true"/>
-    <EditorialTags xmlns="4873beb7-5857-4685-be1f-d57550cc96cc" xsi:nil="true"/>
-    <SubmitterId xmlns="4873beb7-5857-4685-be1f-d57550cc96cc" xsi:nil="true"/>
-    <ApprovalLog xmlns="4873beb7-5857-4685-be1f-d57550cc96cc" xsi:nil="true"/>
-    <AssetType xmlns="4873beb7-5857-4685-be1f-d57550cc96cc">TP</AssetType>
-    <BugNumber xmlns="4873beb7-5857-4685-be1f-d57550cc96cc" xsi:nil="true"/>
-    <CSXSubmissionDate xmlns="4873beb7-5857-4685-be1f-d57550cc96cc" xsi:nil="true"/>
-    <CSXUpdate xmlns="4873beb7-5857-4685-be1f-d57550cc96cc">false</CSXUpdate>
-    <Milestone xmlns="4873beb7-5857-4685-be1f-d57550cc96cc" xsi:nil="true"/>
-    <RecommendationsModifier xmlns="4873beb7-5857-4685-be1f-d57550cc96cc" xsi:nil="true"/>
-    <OriginAsset xmlns="4873beb7-5857-4685-be1f-d57550cc96cc" xsi:nil="true"/>
-    <TPComponent xmlns="4873beb7-5857-4685-be1f-d57550cc96cc" xsi:nil="true"/>
-    <AssetId xmlns="4873beb7-5857-4685-be1f-d57550cc96cc">TP102787989</AssetId>
-    <IntlLocPriority xmlns="4873beb7-5857-4685-be1f-d57550cc96cc" xsi:nil="true"/>
-    <PolicheckWords xmlns="4873beb7-5857-4685-be1f-d57550cc96cc" xsi:nil="true"/>
-    <TPLaunchHelpLink xmlns="4873beb7-5857-4685-be1f-d57550cc96cc" xsi:nil="true"/>
-    <TPApplication xmlns="4873beb7-5857-4685-be1f-d57550cc96cc" xsi:nil="true"/>
-    <CrawlForDependencies xmlns="4873beb7-5857-4685-be1f-d57550cc96cc">false</CrawlForDependencies>
-    <HandoffToMSDN xmlns="4873beb7-5857-4685-be1f-d57550cc96cc" xsi:nil="true"/>
-    <PlannedPubDate xmlns="4873beb7-5857-4685-be1f-d57550cc96cc" xsi:nil="true"/>
-    <IntlLangReviewer xmlns="4873beb7-5857-4685-be1f-d57550cc96cc" xsi:nil="true"/>
-    <TrustLevel xmlns="4873beb7-5857-4685-be1f-d57550cc96cc">1 Microsoft Managed Content</TrustLevel>
-    <LocLastLocAttemptVersionLookup xmlns="4873beb7-5857-4685-be1f-d57550cc96cc">694266</LocLastLocAttemptVersionLookup>
-    <LocProcessedForHandoffsLookup xmlns="4873beb7-5857-4685-be1f-d57550cc96cc" xsi:nil="true"/>
-    <IsSearchable xmlns="4873beb7-5857-4685-be1f-d57550cc96cc">true</IsSearchable>
-    <TemplateTemplateType xmlns="4873beb7-5857-4685-be1f-d57550cc96cc">PowerPoint Presentation Template</TemplateTemplateType>
-    <CampaignTagsTaxHTField0 xmlns="4873beb7-5857-4685-be1f-d57550cc96cc">
-      <Terms xmlns="http://schemas.microsoft.com/office/infopath/2007/PartnerControls"/>
-    </CampaignTagsTaxHTField0>
-    <TPNamespace xmlns="4873beb7-5857-4685-be1f-d57550cc96cc" xsi:nil="true"/>
-    <LocOverallPreviewStatusLookup xmlns="4873beb7-5857-4685-be1f-d57550cc96cc" xsi:nil="true"/>
-    <TaxCatchAll xmlns="4873beb7-5857-4685-be1f-d57550cc96cc"/>
-    <Markets xmlns="4873beb7-5857-4685-be1f-d57550cc96cc"/>
-    <UAProjectedTotalWords xmlns="4873beb7-5857-4685-be1f-d57550cc96cc" xsi:nil="true"/>
-    <IntlLangReview xmlns="4873beb7-5857-4685-be1f-d57550cc96cc" xsi:nil="true"/>
-    <OutputCachingOn xmlns="4873beb7-5857-4685-be1f-d57550cc96cc">false</OutputCachingOn>
-    <AverageRating xmlns="4873beb7-5857-4685-be1f-d57550cc96cc" xsi:nil="true"/>
-    <APAuthor xmlns="4873beb7-5857-4685-be1f-d57550cc96cc">
-      <UserInfo>
-        <DisplayName>REDMOND\kristaa</DisplayName>
-        <AccountId>136</AccountId>
-        <AccountType/>
-      </UserInfo>
-    </APAuthor>
-    <LocManualTestRequired xmlns="4873beb7-5857-4685-be1f-d57550cc96cc">false</LocManualTestRequired>
-    <TPCommandLine xmlns="4873beb7-5857-4685-be1f-d57550cc96cc" xsi:nil="true"/>
-    <TPAppVersion xmlns="4873beb7-5857-4685-be1f-d57550cc96cc" xsi:nil="true"/>
-    <EditorialStatus xmlns="4873beb7-5857-4685-be1f-d57550cc96cc">Complete</EditorialStatus>
-    <LastModifiedDateTime xmlns="4873beb7-5857-4685-be1f-d57550cc96cc" xsi:nil="true"/>
-    <ScenarioTagsTaxHTField0 xmlns="4873beb7-5857-4685-be1f-d57550cc96cc">
-      <Terms xmlns="http://schemas.microsoft.com/office/infopath/2007/PartnerControls"/>
-    </ScenarioTagsTaxHTField0>
-    <LocProcessedForMarketsLookup xmlns="4873beb7-5857-4685-be1f-d57550cc96cc" xsi:nil="true"/>
-    <TPLaunchHelpLinkType xmlns="4873beb7-5857-4685-be1f-d57550cc96cc">Template</TPLaunchHelpLinkType>
-    <OriginalRelease xmlns="4873beb7-5857-4685-be1f-d57550cc96cc">15</OriginalRelease>
-    <LocalizationTagsTaxHTField0 xmlns="4873beb7-5857-4685-be1f-d57550cc96cc">
-      <Terms xmlns="http://schemas.microsoft.com/office/infopath/2007/PartnerControls"/>
-    </LocalizationTagsTaxHTField0>
-    <UACurrentWords xmlns="4873beb7-5857-4685-be1f-d57550cc96cc" xsi:nil="true"/>
-    <ArtSampleDocs xmlns="4873beb7-5857-4685-be1f-d57550cc96cc" xsi:nil="true"/>
-    <UALocRecommendation xmlns="4873beb7-5857-4685-be1f-d57550cc96cc">Localize</UALocRecommendation>
-    <Manager xmlns="4873beb7-5857-4685-be1f-d57550cc96cc" xsi:nil="true"/>
-    <LocOverallHandbackStatusLookup xmlns="4873beb7-5857-4685-be1f-d57550cc96cc" xsi:nil="true"/>
-    <ShowIn xmlns="4873beb7-5857-4685-be1f-d57550cc96cc">Show everywhere</ShowIn>
-    <UANotes xmlns="4873beb7-5857-4685-be1f-d57550cc96cc" xsi:nil="true"/>
-    <InternalTagsTaxHTField0 xmlns="4873beb7-5857-4685-be1f-d57550cc96cc">
-      <Terms xmlns="http://schemas.microsoft.com/office/infopath/2007/PartnerControls"/>
-    </InternalTagsTaxHTField0>
-    <CSXHash xmlns="4873beb7-5857-4685-be1f-d57550cc96cc" xsi:nil="true"/>
-    <VoteCount xmlns="4873beb7-5857-4685-be1f-d57550cc96cc" xsi:nil="true"/>
-    <AssetExpire xmlns="4873beb7-5857-4685-be1f-d57550cc96cc">2029-05-12T07:00:00+00:00</AssetExpire>
-    <DSATActionTaken xmlns="4873beb7-5857-4685-be1f-d57550cc96cc" xsi:nil="true"/>
-    <CSXSubmissionMarket xmlns="4873beb7-5857-4685-be1f-d57550cc96cc" xsi:nil="true"/>
-    <LocMarketGroupTiers2 xmlns="4873beb7-5857-4685-be1f-d57550cc96cc" xsi:nil="true"/>
-  </documentManagement>
-</p:properties>
+<?mso-contentType ?>
+<FormTemplates xmlns="http://schemas.microsoft.com/sharepoint/v3/contenttype/forms">
+  <Display>DocumentLibraryForm</Display>
+  <Edit>AssetEditForm</Edit>
+  <New>DocumentLibraryForm</New>
+</FormTemplates>
 </file>
 
 <file path=customXml/itemProps1.xml><?xml version="1.0" encoding="utf-8"?>
-<ds:datastoreItem xmlns:ds="http://schemas.openxmlformats.org/officeDocument/2006/customXml" ds:itemID="{3836F65B-1B07-41EE-A0E8-BC6EF3855225}">
+<ds:datastoreItem xmlns:ds="http://schemas.openxmlformats.org/officeDocument/2006/customXml" ds:itemID="{60C67BEE-D13F-4BD2-98A5-34D8A0977F68}">
   <ds:schemaRefs>
-    <ds:schemaRef ds:uri="http://schemas.microsoft.com/sharepoint/v3/contenttype/forms"/>
+    <ds:schemaRef ds:uri="4873beb7-5857-4685-be1f-d57550cc96cc"/>
+    <ds:schemaRef ds:uri="http://schemas.openxmlformats.org/package/2006/metadata/core-properties"/>
+    <ds:schemaRef ds:uri="http://purl.org/dc/terms/"/>
+    <ds:schemaRef ds:uri="http://schemas.microsoft.com/office/2006/documentManagement/types"/>
+    <ds:schemaRef ds:uri="http://purl.org/dc/elements/1.1/"/>
+    <ds:schemaRef ds:uri="http://schemas.microsoft.com/office/2006/metadata/properties"/>
+    <ds:schemaRef ds:uri="http://schemas.microsoft.com/office/infopath/2007/PartnerControls"/>
+    <ds:schemaRef ds:uri="http://www.w3.org/XML/1998/namespace"/>
+    <ds:schemaRef ds:uri="http://purl.org/dc/dcmitype/"/>
   </ds:schemaRefs>
 </ds:datastoreItem>
 </file>
@@ -7934,17 +8003,9 @@
 </file>
 
 <file path=customXml/itemProps3.xml><?xml version="1.0" encoding="utf-8"?>
-<ds:datastoreItem xmlns:ds="http://schemas.openxmlformats.org/officeDocument/2006/customXml" ds:itemID="{60C67BEE-D13F-4BD2-98A5-34D8A0977F68}">
+<ds:datastoreItem xmlns:ds="http://schemas.openxmlformats.org/officeDocument/2006/customXml" ds:itemID="{3836F65B-1B07-41EE-A0E8-BC6EF3855225}">
   <ds:schemaRefs>
-    <ds:schemaRef ds:uri="4873beb7-5857-4685-be1f-d57550cc96cc"/>
-    <ds:schemaRef ds:uri="http://schemas.openxmlformats.org/package/2006/metadata/core-properties"/>
-    <ds:schemaRef ds:uri="http://purl.org/dc/terms/"/>
-    <ds:schemaRef ds:uri="http://schemas.microsoft.com/office/2006/documentManagement/types"/>
-    <ds:schemaRef ds:uri="http://purl.org/dc/elements/1.1/"/>
-    <ds:schemaRef ds:uri="http://schemas.microsoft.com/office/2006/metadata/properties"/>
-    <ds:schemaRef ds:uri="http://schemas.microsoft.com/office/infopath/2007/PartnerControls"/>
-    <ds:schemaRef ds:uri="http://www.w3.org/XML/1998/namespace"/>
-    <ds:schemaRef ds:uri="http://purl.org/dc/dcmitype/"/>
+    <ds:schemaRef ds:uri="http://schemas.microsoft.com/sharepoint/v3/contenttype/forms"/>
   </ds:schemaRefs>
 </ds:datastoreItem>
 </file>